--- a/ProjectPresentation.pptx
+++ b/ProjectPresentation.pptx
@@ -7,9 +7,10 @@
   <p:sldIdLst>
     <p:sldId id="257" r:id="rId2"/>
     <p:sldId id="258" r:id="rId3"/>
-    <p:sldId id="259" r:id="rId4"/>
-    <p:sldId id="260" r:id="rId5"/>
-    <p:sldId id="261" r:id="rId6"/>
+    <p:sldId id="262" r:id="rId4"/>
+    <p:sldId id="259" r:id="rId5"/>
+    <p:sldId id="260" r:id="rId6"/>
+    <p:sldId id="261" r:id="rId7"/>
   </p:sldIdLst>
   <p:sldSz cx="12192000" cy="6858000"/>
   <p:notesSz cx="6858000" cy="9144000"/>
@@ -3647,7 +3648,7 @@
           <a:p>
             <a:r>
               <a:rPr lang="en-US" dirty="0"/>
-              <a:t>Data</a:t>
+              <a:t>Objective</a:t>
             </a:r>
           </a:p>
         </p:txBody>
@@ -3678,6 +3679,136 @@
           <a:bodyPr/>
           <a:lstStyle/>
           <a:p>
+            <a:pPr marL="0" lvl="0" indent="0">
+              <a:buNone/>
+            </a:pPr>
+            <a:r>
+              <a:rPr lang="en-US" dirty="0"/>
+              <a:t>Over the last decade the number of 3-point shots attempted has surged.  The application we have designed is meant to enable analysis of how this shift has impacted scoring trends and efficiency metrics.</a:t>
+            </a:r>
+          </a:p>
+        </p:txBody>
+      </p:sp>
+      <p:pic>
+        <p:nvPicPr>
+          <p:cNvPr id="15" name="Picture 14">
+            <a:extLst>
+              <a:ext uri="{FF2B5EF4-FFF2-40B4-BE49-F238E27FC236}">
+                <a16:creationId xmlns:a16="http://schemas.microsoft.com/office/drawing/2014/main" id="{84165F05-46DB-8C38-F059-3FF36435A6DD}"/>
+              </a:ext>
+            </a:extLst>
+          </p:cNvPr>
+          <p:cNvPicPr>
+            <a:picLocks noChangeAspect="1"/>
+          </p:cNvPicPr>
+          <p:nvPr/>
+        </p:nvPicPr>
+        <p:blipFill>
+          <a:blip r:embed="rId2"/>
+          <a:stretch>
+            <a:fillRect/>
+          </a:stretch>
+        </p:blipFill>
+        <p:spPr>
+          <a:xfrm>
+            <a:off x="5502971" y="2557999"/>
+            <a:ext cx="4706007" cy="3315163"/>
+          </a:xfrm>
+          <a:prstGeom prst="rect">
+            <a:avLst/>
+          </a:prstGeom>
+        </p:spPr>
+      </p:pic>
+    </p:spTree>
+    <p:extLst>
+      <p:ext uri="{BB962C8B-B14F-4D97-AF65-F5344CB8AC3E}">
+        <p14:creationId xmlns:p14="http://schemas.microsoft.com/office/powerpoint/2010/main" val="4003584956"/>
+      </p:ext>
+    </p:extLst>
+  </p:cSld>
+  <p:clrMapOvr>
+    <a:masterClrMapping/>
+  </p:clrMapOvr>
+</p:sld>
+</file>
+
+<file path=ppt/slides/slide3.xml><?xml version="1.0" encoding="utf-8"?>
+<p:sld xmlns:a="http://schemas.openxmlformats.org/drawingml/2006/main" xmlns:r="http://schemas.openxmlformats.org/officeDocument/2006/relationships" xmlns:p="http://schemas.openxmlformats.org/presentationml/2006/main">
+  <p:cSld>
+    <p:spTree>
+      <p:nvGrpSpPr>
+        <p:cNvPr id="1" name="">
+          <a:extLst>
+            <a:ext uri="{FF2B5EF4-FFF2-40B4-BE49-F238E27FC236}">
+              <a16:creationId xmlns:a16="http://schemas.microsoft.com/office/drawing/2014/main" id="{6F683D6E-6CF5-52EC-ACEE-BEAAFCBD5782}"/>
+            </a:ext>
+          </a:extLst>
+        </p:cNvPr>
+        <p:cNvGrpSpPr/>
+        <p:nvPr/>
+      </p:nvGrpSpPr>
+      <p:grpSpPr>
+        <a:xfrm>
+          <a:off x="0" y="0"/>
+          <a:ext cx="0" cy="0"/>
+          <a:chOff x="0" y="0"/>
+          <a:chExt cx="0" cy="0"/>
+        </a:xfrm>
+      </p:grpSpPr>
+      <p:sp>
+        <p:nvSpPr>
+          <p:cNvPr id="2" name="Title 1">
+            <a:extLst>
+              <a:ext uri="{FF2B5EF4-FFF2-40B4-BE49-F238E27FC236}">
+                <a16:creationId xmlns:a16="http://schemas.microsoft.com/office/drawing/2014/main" id="{BE4E7FF6-FD38-2756-D6A7-D1E89730FE45}"/>
+              </a:ext>
+            </a:extLst>
+          </p:cNvPr>
+          <p:cNvSpPr>
+            <a:spLocks noGrp="1"/>
+          </p:cNvSpPr>
+          <p:nvPr>
+            <p:ph type="title"/>
+          </p:nvPr>
+        </p:nvSpPr>
+        <p:spPr/>
+        <p:txBody>
+          <a:bodyPr/>
+          <a:lstStyle/>
+          <a:p>
+            <a:r>
+              <a:rPr lang="en-US" dirty="0"/>
+              <a:t>Data</a:t>
+            </a:r>
+          </a:p>
+        </p:txBody>
+      </p:sp>
+      <p:sp>
+        <p:nvSpPr>
+          <p:cNvPr id="3" name="Content Placeholder 2">
+            <a:extLst>
+              <a:ext uri="{FF2B5EF4-FFF2-40B4-BE49-F238E27FC236}">
+                <a16:creationId xmlns:a16="http://schemas.microsoft.com/office/drawing/2014/main" id="{8ECDEDDC-38AF-D030-908A-293AC015A73D}"/>
+              </a:ext>
+            </a:extLst>
+          </p:cNvPr>
+          <p:cNvSpPr>
+            <a:spLocks noGrp="1"/>
+          </p:cNvSpPr>
+          <p:nvPr>
+            <p:ph idx="1"/>
+          </p:nvPr>
+        </p:nvSpPr>
+        <p:spPr>
+          <a:xfrm>
+            <a:off x="3869268" y="864108"/>
+            <a:ext cx="7315200" cy="2046240"/>
+          </a:xfrm>
+        </p:spPr>
+        <p:txBody>
+          <a:bodyPr/>
+          <a:lstStyle/>
+          <a:p>
             <a:pPr lvl="0"/>
             <a:r>
               <a:rPr lang="en-US" dirty="0"/>
@@ -3708,7 +3839,7 @@
           <p:cNvPr id="7" name="Picture 6">
             <a:extLst>
               <a:ext uri="{FF2B5EF4-FFF2-40B4-BE49-F238E27FC236}">
-                <a16:creationId xmlns:a16="http://schemas.microsoft.com/office/drawing/2014/main" id="{2514FC68-8930-60E2-7C93-DC6E5E9854E7}"/>
+                <a16:creationId xmlns:a16="http://schemas.microsoft.com/office/drawing/2014/main" id="{FE3F978C-E5A2-459A-465B-D86ACABEADB1}"/>
               </a:ext>
             </a:extLst>
           </p:cNvPr>
@@ -3738,7 +3869,7 @@
           <p:cNvPr id="9" name="Picture 8">
             <a:extLst>
               <a:ext uri="{FF2B5EF4-FFF2-40B4-BE49-F238E27FC236}">
-                <a16:creationId xmlns:a16="http://schemas.microsoft.com/office/drawing/2014/main" id="{94C234E6-0C69-C36B-3954-B66166C3454F}"/>
+                <a16:creationId xmlns:a16="http://schemas.microsoft.com/office/drawing/2014/main" id="{84EC9D08-BAD3-E8E9-E234-AD6E64C61D8D}"/>
               </a:ext>
             </a:extLst>
           </p:cNvPr>
@@ -3768,7 +3899,7 @@
           <p:cNvPr id="11" name="Picture 10">
             <a:extLst>
               <a:ext uri="{FF2B5EF4-FFF2-40B4-BE49-F238E27FC236}">
-                <a16:creationId xmlns:a16="http://schemas.microsoft.com/office/drawing/2014/main" id="{25EA32A4-4AC1-E253-2FEC-97748CDCBCDC}"/>
+                <a16:creationId xmlns:a16="http://schemas.microsoft.com/office/drawing/2014/main" id="{AAA64EAF-E226-60EE-3D12-9E3697CE5EEC}"/>
               </a:ext>
             </a:extLst>
           </p:cNvPr>
@@ -3798,7 +3929,7 @@
           <p:cNvPr id="13" name="Picture 12">
             <a:extLst>
               <a:ext uri="{FF2B5EF4-FFF2-40B4-BE49-F238E27FC236}">
-                <a16:creationId xmlns:a16="http://schemas.microsoft.com/office/drawing/2014/main" id="{F3386AB8-8994-B012-45D8-89AE07C6CB98}"/>
+                <a16:creationId xmlns:a16="http://schemas.microsoft.com/office/drawing/2014/main" id="{CB0E35F2-F408-B2C2-6A7B-0DCAAFF98F79}"/>
               </a:ext>
             </a:extLst>
           </p:cNvPr>
@@ -3826,7 +3957,7 @@
     </p:spTree>
     <p:extLst>
       <p:ext uri="{BB962C8B-B14F-4D97-AF65-F5344CB8AC3E}">
-        <p14:creationId xmlns:p14="http://schemas.microsoft.com/office/powerpoint/2010/main" val="4003584956"/>
+        <p14:creationId xmlns:p14="http://schemas.microsoft.com/office/powerpoint/2010/main" val="3568959933"/>
       </p:ext>
     </p:extLst>
   </p:cSld>
@@ -3836,7 +3967,7 @@
 </p:sld>
 </file>
 
-<file path=ppt/slides/slide3.xml><?xml version="1.0" encoding="utf-8"?>
+<file path=ppt/slides/slide4.xml><?xml version="1.0" encoding="utf-8"?>
 <p:sld xmlns:a="http://schemas.openxmlformats.org/drawingml/2006/main" xmlns:r="http://schemas.openxmlformats.org/officeDocument/2006/relationships" xmlns:p="http://schemas.openxmlformats.org/presentationml/2006/main">
   <p:cSld>
     <p:spTree>
@@ -3924,7 +4055,7 @@
 </p:sld>
 </file>
 
-<file path=ppt/slides/slide4.xml><?xml version="1.0" encoding="utf-8"?>
+<file path=ppt/slides/slide5.xml><?xml version="1.0" encoding="utf-8"?>
 <p:sld xmlns:a="http://schemas.openxmlformats.org/drawingml/2006/main" xmlns:r="http://schemas.openxmlformats.org/officeDocument/2006/relationships" xmlns:p="http://schemas.openxmlformats.org/presentationml/2006/main">
   <p:cSld>
     <p:spTree>
@@ -4147,7 +4278,7 @@
 </p:sld>
 </file>
 
-<file path=ppt/slides/slide5.xml><?xml version="1.0" encoding="utf-8"?>
+<file path=ppt/slides/slide6.xml><?xml version="1.0" encoding="utf-8"?>
 <p:sld xmlns:a="http://schemas.openxmlformats.org/drawingml/2006/main" xmlns:r="http://schemas.openxmlformats.org/officeDocument/2006/relationships" xmlns:p="http://schemas.openxmlformats.org/presentationml/2006/main">
   <p:cSld>
     <p:spTree>

--- a/ProjectPresentation.pptx
+++ b/ProjectPresentation.pptx
@@ -7,8 +7,8 @@
   <p:sldIdLst>
     <p:sldId id="257" r:id="rId2"/>
     <p:sldId id="258" r:id="rId3"/>
-    <p:sldId id="262" r:id="rId4"/>
-    <p:sldId id="259" r:id="rId5"/>
+    <p:sldId id="259" r:id="rId4"/>
+    <p:sldId id="262" r:id="rId5"/>
     <p:sldId id="260" r:id="rId6"/>
     <p:sldId id="261" r:id="rId7"/>
   </p:sldIdLst>
@@ -3737,6 +3737,364 @@
   <p:cSld>
     <p:spTree>
       <p:nvGrpSpPr>
+        <p:cNvPr id="1" name=""/>
+        <p:cNvGrpSpPr/>
+        <p:nvPr/>
+      </p:nvGrpSpPr>
+      <p:grpSpPr>
+        <a:xfrm>
+          <a:off x="0" y="0"/>
+          <a:ext cx="0" cy="0"/>
+          <a:chOff x="0" y="0"/>
+          <a:chExt cx="0" cy="0"/>
+        </a:xfrm>
+      </p:grpSpPr>
+      <p:sp>
+        <p:nvSpPr>
+          <p:cNvPr id="2" name="Title 1">
+            <a:extLst>
+              <a:ext uri="{FF2B5EF4-FFF2-40B4-BE49-F238E27FC236}">
+                <a16:creationId xmlns:a16="http://schemas.microsoft.com/office/drawing/2014/main" id="{972F023F-51AB-FDE7-C26F-2AB76057B202}"/>
+              </a:ext>
+            </a:extLst>
+          </p:cNvPr>
+          <p:cNvSpPr>
+            <a:spLocks noGrp="1"/>
+          </p:cNvSpPr>
+          <p:nvPr>
+            <p:ph type="title"/>
+          </p:nvPr>
+        </p:nvSpPr>
+        <p:spPr/>
+        <p:txBody>
+          <a:bodyPr/>
+          <a:lstStyle/>
+          <a:p>
+            <a:r>
+              <a:rPr lang="en-US" dirty="0"/>
+              <a:t>Process</a:t>
+            </a:r>
+          </a:p>
+        </p:txBody>
+      </p:sp>
+      <p:pic>
+        <p:nvPicPr>
+          <p:cNvPr id="7" name="Picture 6">
+            <a:extLst>
+              <a:ext uri="{FF2B5EF4-FFF2-40B4-BE49-F238E27FC236}">
+                <a16:creationId xmlns:a16="http://schemas.microsoft.com/office/drawing/2014/main" id="{578D81F5-6E7E-2B4D-1215-FA870660D435}"/>
+              </a:ext>
+            </a:extLst>
+          </p:cNvPr>
+          <p:cNvPicPr>
+            <a:picLocks noChangeAspect="1"/>
+          </p:cNvPicPr>
+          <p:nvPr/>
+        </p:nvPicPr>
+        <p:blipFill>
+          <a:blip r:embed="rId2"/>
+          <a:stretch>
+            <a:fillRect/>
+          </a:stretch>
+        </p:blipFill>
+        <p:spPr>
+          <a:xfrm>
+            <a:off x="3689411" y="1826284"/>
+            <a:ext cx="7842516" cy="2804709"/>
+          </a:xfrm>
+          <a:prstGeom prst="rect">
+            <a:avLst/>
+          </a:prstGeom>
+        </p:spPr>
+      </p:pic>
+      <p:pic>
+        <p:nvPicPr>
+          <p:cNvPr id="9" name="Picture 8">
+            <a:extLst>
+              <a:ext uri="{FF2B5EF4-FFF2-40B4-BE49-F238E27FC236}">
+                <a16:creationId xmlns:a16="http://schemas.microsoft.com/office/drawing/2014/main" id="{1A957231-475A-2DF5-DF69-F9CFF7874418}"/>
+              </a:ext>
+            </a:extLst>
+          </p:cNvPr>
+          <p:cNvPicPr>
+            <a:picLocks noChangeAspect="1"/>
+          </p:cNvPicPr>
+          <p:nvPr/>
+        </p:nvPicPr>
+        <p:blipFill>
+          <a:blip r:embed="rId3"/>
+          <a:stretch>
+            <a:fillRect/>
+          </a:stretch>
+        </p:blipFill>
+        <p:spPr>
+          <a:xfrm>
+            <a:off x="3695678" y="485268"/>
+            <a:ext cx="2125019" cy="580005"/>
+          </a:xfrm>
+          <a:prstGeom prst="rect">
+            <a:avLst/>
+          </a:prstGeom>
+        </p:spPr>
+      </p:pic>
+      <p:pic>
+        <p:nvPicPr>
+          <p:cNvPr id="11" name="Picture 10">
+            <a:extLst>
+              <a:ext uri="{FF2B5EF4-FFF2-40B4-BE49-F238E27FC236}">
+                <a16:creationId xmlns:a16="http://schemas.microsoft.com/office/drawing/2014/main" id="{5BE3711C-A430-4C5D-BD73-22102D03F759}"/>
+              </a:ext>
+            </a:extLst>
+          </p:cNvPr>
+          <p:cNvPicPr>
+            <a:picLocks noChangeAspect="1"/>
+          </p:cNvPicPr>
+          <p:nvPr/>
+        </p:nvPicPr>
+        <p:blipFill>
+          <a:blip r:embed="rId4"/>
+          <a:stretch>
+            <a:fillRect/>
+          </a:stretch>
+        </p:blipFill>
+        <p:spPr>
+          <a:xfrm>
+            <a:off x="6666768" y="294107"/>
+            <a:ext cx="1464437" cy="1082410"/>
+          </a:xfrm>
+          <a:prstGeom prst="rect">
+            <a:avLst/>
+          </a:prstGeom>
+        </p:spPr>
+      </p:pic>
+      <p:pic>
+        <p:nvPicPr>
+          <p:cNvPr id="13" name="Picture 12">
+            <a:extLst>
+              <a:ext uri="{FF2B5EF4-FFF2-40B4-BE49-F238E27FC236}">
+                <a16:creationId xmlns:a16="http://schemas.microsoft.com/office/drawing/2014/main" id="{CF720C2B-FFFA-D0A3-0EA6-C14E9C5FC0C2}"/>
+              </a:ext>
+            </a:extLst>
+          </p:cNvPr>
+          <p:cNvPicPr>
+            <a:picLocks noChangeAspect="1"/>
+          </p:cNvPicPr>
+          <p:nvPr/>
+        </p:nvPicPr>
+        <p:blipFill>
+          <a:blip r:embed="rId5"/>
+          <a:stretch>
+            <a:fillRect/>
+          </a:stretch>
+        </p:blipFill>
+        <p:spPr>
+          <a:xfrm>
+            <a:off x="9514669" y="294107"/>
+            <a:ext cx="1352929" cy="1168439"/>
+          </a:xfrm>
+          <a:prstGeom prst="rect">
+            <a:avLst/>
+          </a:prstGeom>
+        </p:spPr>
+      </p:pic>
+      <p:pic>
+        <p:nvPicPr>
+          <p:cNvPr id="15" name="Picture 14">
+            <a:extLst>
+              <a:ext uri="{FF2B5EF4-FFF2-40B4-BE49-F238E27FC236}">
+                <a16:creationId xmlns:a16="http://schemas.microsoft.com/office/drawing/2014/main" id="{3CEDD0D1-7EE6-7A84-8D37-1F5A9A1F41EE}"/>
+              </a:ext>
+            </a:extLst>
+          </p:cNvPr>
+          <p:cNvPicPr>
+            <a:picLocks noChangeAspect="1"/>
+          </p:cNvPicPr>
+          <p:nvPr/>
+        </p:nvPicPr>
+        <p:blipFill>
+          <a:blip r:embed="rId6"/>
+          <a:stretch>
+            <a:fillRect/>
+          </a:stretch>
+        </p:blipFill>
+        <p:spPr>
+          <a:xfrm>
+            <a:off x="3719406" y="4762861"/>
+            <a:ext cx="1422866" cy="442183"/>
+          </a:xfrm>
+          <a:prstGeom prst="rect">
+            <a:avLst/>
+          </a:prstGeom>
+        </p:spPr>
+      </p:pic>
+      <p:pic>
+        <p:nvPicPr>
+          <p:cNvPr id="17" name="Picture 16">
+            <a:extLst>
+              <a:ext uri="{FF2B5EF4-FFF2-40B4-BE49-F238E27FC236}">
+                <a16:creationId xmlns:a16="http://schemas.microsoft.com/office/drawing/2014/main" id="{3663C457-E041-BDCE-C83F-9C5DA4EEBF1B}"/>
+              </a:ext>
+            </a:extLst>
+          </p:cNvPr>
+          <p:cNvPicPr>
+            <a:picLocks noChangeAspect="1"/>
+          </p:cNvPicPr>
+          <p:nvPr/>
+        </p:nvPicPr>
+        <p:blipFill>
+          <a:blip r:embed="rId7"/>
+          <a:stretch>
+            <a:fillRect/>
+          </a:stretch>
+        </p:blipFill>
+        <p:spPr>
+          <a:xfrm>
+            <a:off x="3719406" y="5336912"/>
+            <a:ext cx="2101291" cy="346367"/>
+          </a:xfrm>
+          <a:prstGeom prst="rect">
+            <a:avLst/>
+          </a:prstGeom>
+        </p:spPr>
+      </p:pic>
+      <p:pic>
+        <p:nvPicPr>
+          <p:cNvPr id="19" name="Picture 18">
+            <a:extLst>
+              <a:ext uri="{FF2B5EF4-FFF2-40B4-BE49-F238E27FC236}">
+                <a16:creationId xmlns:a16="http://schemas.microsoft.com/office/drawing/2014/main" id="{3182807A-B27B-C128-0F55-EEE203448952}"/>
+              </a:ext>
+            </a:extLst>
+          </p:cNvPr>
+          <p:cNvPicPr>
+            <a:picLocks noChangeAspect="1"/>
+          </p:cNvPicPr>
+          <p:nvPr/>
+        </p:nvPicPr>
+        <p:blipFill>
+          <a:blip r:embed="rId8"/>
+          <a:stretch>
+            <a:fillRect/>
+          </a:stretch>
+        </p:blipFill>
+        <p:spPr>
+          <a:xfrm>
+            <a:off x="9514669" y="4650861"/>
+            <a:ext cx="1598192" cy="554183"/>
+          </a:xfrm>
+          <a:prstGeom prst="rect">
+            <a:avLst/>
+          </a:prstGeom>
+        </p:spPr>
+      </p:pic>
+      <p:pic>
+        <p:nvPicPr>
+          <p:cNvPr id="21" name="Picture 20">
+            <a:extLst>
+              <a:ext uri="{FF2B5EF4-FFF2-40B4-BE49-F238E27FC236}">
+                <a16:creationId xmlns:a16="http://schemas.microsoft.com/office/drawing/2014/main" id="{218DB069-C8A1-892B-1671-ECDFC2A8E358}"/>
+              </a:ext>
+            </a:extLst>
+          </p:cNvPr>
+          <p:cNvPicPr>
+            <a:picLocks noChangeAspect="1"/>
+          </p:cNvPicPr>
+          <p:nvPr/>
+        </p:nvPicPr>
+        <p:blipFill>
+          <a:blip r:embed="rId9"/>
+          <a:stretch>
+            <a:fillRect/>
+          </a:stretch>
+        </p:blipFill>
+        <p:spPr>
+          <a:xfrm>
+            <a:off x="9655277" y="5336912"/>
+            <a:ext cx="683112" cy="684881"/>
+          </a:xfrm>
+          <a:prstGeom prst="rect">
+            <a:avLst/>
+          </a:prstGeom>
+        </p:spPr>
+      </p:pic>
+      <p:pic>
+        <p:nvPicPr>
+          <p:cNvPr id="23" name="Picture 22">
+            <a:extLst>
+              <a:ext uri="{FF2B5EF4-FFF2-40B4-BE49-F238E27FC236}">
+                <a16:creationId xmlns:a16="http://schemas.microsoft.com/office/drawing/2014/main" id="{F62DC4B6-DC0A-D1AE-0930-9FA7CDC9AD30}"/>
+              </a:ext>
+            </a:extLst>
+          </p:cNvPr>
+          <p:cNvPicPr>
+            <a:picLocks noChangeAspect="1"/>
+          </p:cNvPicPr>
+          <p:nvPr/>
+        </p:nvPicPr>
+        <p:blipFill>
+          <a:blip r:embed="rId10"/>
+          <a:stretch>
+            <a:fillRect/>
+          </a:stretch>
+        </p:blipFill>
+        <p:spPr>
+          <a:xfrm>
+            <a:off x="7398986" y="4808541"/>
+            <a:ext cx="1718495" cy="544437"/>
+          </a:xfrm>
+          <a:prstGeom prst="rect">
+            <a:avLst/>
+          </a:prstGeom>
+        </p:spPr>
+      </p:pic>
+      <p:pic>
+        <p:nvPicPr>
+          <p:cNvPr id="25" name="Picture 24">
+            <a:extLst>
+              <a:ext uri="{FF2B5EF4-FFF2-40B4-BE49-F238E27FC236}">
+                <a16:creationId xmlns:a16="http://schemas.microsoft.com/office/drawing/2014/main" id="{683B3DCC-858A-A129-E368-B0CD7FD7B139}"/>
+              </a:ext>
+            </a:extLst>
+          </p:cNvPr>
+          <p:cNvPicPr>
+            <a:picLocks noChangeAspect="1"/>
+          </p:cNvPicPr>
+          <p:nvPr/>
+        </p:nvPicPr>
+        <p:blipFill>
+          <a:blip r:embed="rId11"/>
+          <a:stretch>
+            <a:fillRect/>
+          </a:stretch>
+        </p:blipFill>
+        <p:spPr>
+          <a:xfrm>
+            <a:off x="6592145" y="5392004"/>
+            <a:ext cx="1627256" cy="861116"/>
+          </a:xfrm>
+          <a:prstGeom prst="rect">
+            <a:avLst/>
+          </a:prstGeom>
+        </p:spPr>
+      </p:pic>
+    </p:spTree>
+    <p:extLst>
+      <p:ext uri="{BB962C8B-B14F-4D97-AF65-F5344CB8AC3E}">
+        <p14:creationId xmlns:p14="http://schemas.microsoft.com/office/powerpoint/2010/main" val="904186785"/>
+      </p:ext>
+    </p:extLst>
+  </p:cSld>
+  <p:clrMapOvr>
+    <a:masterClrMapping/>
+  </p:clrMapOvr>
+</p:sld>
+</file>
+
+<file path=ppt/slides/slide4.xml><?xml version="1.0" encoding="utf-8"?>
+<p:sld xmlns:a="http://schemas.openxmlformats.org/drawingml/2006/main" xmlns:r="http://schemas.openxmlformats.org/officeDocument/2006/relationships" xmlns:p="http://schemas.openxmlformats.org/presentationml/2006/main">
+  <p:cSld>
+    <p:spTree>
+      <p:nvGrpSpPr>
         <p:cNvPr id="1" name="">
           <a:extLst>
             <a:ext uri="{FF2B5EF4-FFF2-40B4-BE49-F238E27FC236}">
@@ -3806,27 +4164,36 @@
           </a:xfrm>
         </p:spPr>
         <p:txBody>
-          <a:bodyPr/>
+          <a:bodyPr>
+            <a:normAutofit lnSpcReduction="10000"/>
+          </a:bodyPr>
           <a:lstStyle/>
           <a:p>
             <a:pPr lvl="0"/>
             <a:r>
               <a:rPr lang="en-US" dirty="0"/>
-              <a:t>NBA_API provide historical data for all players and statistics</a:t>
+              <a:t>NBA_API provides historical data for all players and statistics</a:t>
             </a:r>
           </a:p>
           <a:p>
             <a:pPr lvl="0"/>
             <a:r>
               <a:rPr lang="en-US" dirty="0"/>
-              <a:t>Python script used to extract and translate data and to generate CSV files for loading into a Postgres database</a:t>
+              <a:t>Over 13,000 records in 4 tables and 2 views</a:t>
             </a:r>
           </a:p>
           <a:p>
             <a:pPr lvl="0"/>
             <a:r>
               <a:rPr lang="en-US" dirty="0"/>
-              <a:t>Postgres database designed and scripted to enable all team members to have a local copy of the database</a:t>
+              <a:t>Shot chart data was at the game level and needed to be rolled up to the season level</a:t>
+            </a:r>
+          </a:p>
+          <a:p>
+            <a:pPr lvl="0"/>
+            <a:r>
+              <a:rPr lang="en-US" dirty="0"/>
+              <a:t>The player statistics were aggregated in a view to enable season level statistics like scoring average per season</a:t>
             </a:r>
           </a:p>
           <a:p>
@@ -3967,94 +4334,6 @@
 </p:sld>
 </file>
 
-<file path=ppt/slides/slide4.xml><?xml version="1.0" encoding="utf-8"?>
-<p:sld xmlns:a="http://schemas.openxmlformats.org/drawingml/2006/main" xmlns:r="http://schemas.openxmlformats.org/officeDocument/2006/relationships" xmlns:p="http://schemas.openxmlformats.org/presentationml/2006/main">
-  <p:cSld>
-    <p:spTree>
-      <p:nvGrpSpPr>
-        <p:cNvPr id="1" name=""/>
-        <p:cNvGrpSpPr/>
-        <p:nvPr/>
-      </p:nvGrpSpPr>
-      <p:grpSpPr>
-        <a:xfrm>
-          <a:off x="0" y="0"/>
-          <a:ext cx="0" cy="0"/>
-          <a:chOff x="0" y="0"/>
-          <a:chExt cx="0" cy="0"/>
-        </a:xfrm>
-      </p:grpSpPr>
-      <p:sp>
-        <p:nvSpPr>
-          <p:cNvPr id="2" name="Title 1">
-            <a:extLst>
-              <a:ext uri="{FF2B5EF4-FFF2-40B4-BE49-F238E27FC236}">
-                <a16:creationId xmlns:a16="http://schemas.microsoft.com/office/drawing/2014/main" id="{972F023F-51AB-FDE7-C26F-2AB76057B202}"/>
-              </a:ext>
-            </a:extLst>
-          </p:cNvPr>
-          <p:cNvSpPr>
-            <a:spLocks noGrp="1"/>
-          </p:cNvSpPr>
-          <p:nvPr>
-            <p:ph type="title"/>
-          </p:nvPr>
-        </p:nvSpPr>
-        <p:spPr/>
-        <p:txBody>
-          <a:bodyPr/>
-          <a:lstStyle/>
-          <a:p>
-            <a:r>
-              <a:rPr lang="en-US" dirty="0"/>
-              <a:t>Process</a:t>
-            </a:r>
-          </a:p>
-        </p:txBody>
-      </p:sp>
-      <p:pic>
-        <p:nvPicPr>
-          <p:cNvPr id="7" name="Picture 6">
-            <a:extLst>
-              <a:ext uri="{FF2B5EF4-FFF2-40B4-BE49-F238E27FC236}">
-                <a16:creationId xmlns:a16="http://schemas.microsoft.com/office/drawing/2014/main" id="{578D81F5-6E7E-2B4D-1215-FA870660D435}"/>
-              </a:ext>
-            </a:extLst>
-          </p:cNvPr>
-          <p:cNvPicPr>
-            <a:picLocks noChangeAspect="1"/>
-          </p:cNvPicPr>
-          <p:nvPr/>
-        </p:nvPicPr>
-        <p:blipFill>
-          <a:blip r:embed="rId2"/>
-          <a:stretch>
-            <a:fillRect/>
-          </a:stretch>
-        </p:blipFill>
-        <p:spPr>
-          <a:xfrm>
-            <a:off x="3689411" y="1826284"/>
-            <a:ext cx="7842516" cy="2804709"/>
-          </a:xfrm>
-          <a:prstGeom prst="rect">
-            <a:avLst/>
-          </a:prstGeom>
-        </p:spPr>
-      </p:pic>
-    </p:spTree>
-    <p:extLst>
-      <p:ext uri="{BB962C8B-B14F-4D97-AF65-F5344CB8AC3E}">
-        <p14:creationId xmlns:p14="http://schemas.microsoft.com/office/powerpoint/2010/main" val="904186785"/>
-      </p:ext>
-    </p:extLst>
-  </p:cSld>
-  <p:clrMapOvr>
-    <a:masterClrMapping/>
-  </p:clrMapOvr>
-</p:sld>
-</file>
-
 <file path=ppt/slides/slide5.xml><?xml version="1.0" encoding="utf-8"?>
 <p:sld xmlns:a="http://schemas.openxmlformats.org/drawingml/2006/main" xmlns:r="http://schemas.openxmlformats.org/officeDocument/2006/relationships" xmlns:p="http://schemas.openxmlformats.org/presentationml/2006/main">
   <p:cSld>
@@ -4118,8 +4397,8 @@
         </p:nvSpPr>
         <p:spPr>
           <a:xfrm>
-            <a:off x="3869267" y="864108"/>
-            <a:ext cx="3701571" cy="5120640"/>
+            <a:off x="3707027" y="864108"/>
+            <a:ext cx="3961989" cy="5120640"/>
           </a:xfrm>
         </p:spPr>
         <p:txBody>
